--- a/PPT/Python/class 3.pptx
+++ b/PPT/Python/class 3.pptx
@@ -462,7 +462,7 @@
           <a:p>
             <a:fld id="{F2660061-179A-47E0-86E3-D8374BC4401E}" type="datetimeFigureOut">
               <a:rPr lang="en-US" smtClean="0"/>
-              <a:t>7/30/2021</a:t>
+              <a:t>10/10/2021</a:t>
             </a:fld>
             <a:endParaRPr lang="en-US"/>
           </a:p>
@@ -786,7 +786,7 @@
           <a:p>
             <a:fld id="{F2660061-179A-47E0-86E3-D8374BC4401E}" type="datetimeFigureOut">
               <a:rPr lang="en-US" smtClean="0"/>
-              <a:t>7/30/2021</a:t>
+              <a:t>10/10/2021</a:t>
             </a:fld>
             <a:endParaRPr lang="en-US"/>
           </a:p>
@@ -1034,7 +1034,7 @@
           <a:p>
             <a:fld id="{F2660061-179A-47E0-86E3-D8374BC4401E}" type="datetimeFigureOut">
               <a:rPr lang="en-US" smtClean="0"/>
-              <a:t>7/30/2021</a:t>
+              <a:t>10/10/2021</a:t>
             </a:fld>
             <a:endParaRPr lang="en-US"/>
           </a:p>
@@ -1373,7 +1373,7 @@
           <a:p>
             <a:fld id="{F2660061-179A-47E0-86E3-D8374BC4401E}" type="datetimeFigureOut">
               <a:rPr lang="en-US" smtClean="0"/>
-              <a:t>7/30/2021</a:t>
+              <a:t>10/10/2021</a:t>
             </a:fld>
             <a:endParaRPr lang="en-US"/>
           </a:p>
@@ -1720,7 +1720,7 @@
           <a:p>
             <a:fld id="{F2660061-179A-47E0-86E3-D8374BC4401E}" type="datetimeFigureOut">
               <a:rPr lang="en-US" smtClean="0"/>
-              <a:t>7/30/2021</a:t>
+              <a:t>10/10/2021</a:t>
             </a:fld>
             <a:endParaRPr lang="en-US"/>
           </a:p>
@@ -2094,7 +2094,7 @@
           <a:p>
             <a:fld id="{F2660061-179A-47E0-86E3-D8374BC4401E}" type="datetimeFigureOut">
               <a:rPr lang="en-US" smtClean="0"/>
-              <a:t>7/30/2021</a:t>
+              <a:t>10/10/2021</a:t>
             </a:fld>
             <a:endParaRPr lang="en-US"/>
           </a:p>
@@ -2564,7 +2564,7 @@
           <a:p>
             <a:fld id="{F2660061-179A-47E0-86E3-D8374BC4401E}" type="datetimeFigureOut">
               <a:rPr lang="en-US" smtClean="0"/>
-              <a:t>7/30/2021</a:t>
+              <a:t>10/10/2021</a:t>
             </a:fld>
             <a:endParaRPr lang="en-US"/>
           </a:p>
@@ -2774,7 +2774,7 @@
           <a:p>
             <a:fld id="{F2660061-179A-47E0-86E3-D8374BC4401E}" type="datetimeFigureOut">
               <a:rPr lang="en-US" smtClean="0"/>
-              <a:t>7/30/2021</a:t>
+              <a:t>10/10/2021</a:t>
             </a:fld>
             <a:endParaRPr lang="en-US"/>
           </a:p>
@@ -2985,7 +2985,7 @@
           <a:p>
             <a:fld id="{F2660061-179A-47E0-86E3-D8374BC4401E}" type="datetimeFigureOut">
               <a:rPr lang="en-US" smtClean="0"/>
-              <a:t>7/30/2021</a:t>
+              <a:t>10/10/2021</a:t>
             </a:fld>
             <a:endParaRPr lang="en-US"/>
           </a:p>
@@ -3217,7 +3217,7 @@
           <a:p>
             <a:fld id="{F2660061-179A-47E0-86E3-D8374BC4401E}" type="datetimeFigureOut">
               <a:rPr lang="en-US" smtClean="0"/>
-              <a:t>7/30/2021</a:t>
+              <a:t>10/10/2021</a:t>
             </a:fld>
             <a:endParaRPr lang="en-US"/>
           </a:p>
@@ -3465,7 +3465,7 @@
           <a:p>
             <a:fld id="{F2660061-179A-47E0-86E3-D8374BC4401E}" type="datetimeFigureOut">
               <a:rPr lang="en-US" smtClean="0"/>
-              <a:t>7/30/2021</a:t>
+              <a:t>10/10/2021</a:t>
             </a:fld>
             <a:endParaRPr lang="en-US"/>
           </a:p>
@@ -3768,7 +3768,7 @@
           <a:p>
             <a:fld id="{F2660061-179A-47E0-86E3-D8374BC4401E}" type="datetimeFigureOut">
               <a:rPr lang="en-US" smtClean="0"/>
-              <a:t>7/30/2021</a:t>
+              <a:t>10/10/2021</a:t>
             </a:fld>
             <a:endParaRPr lang="en-US"/>
           </a:p>
@@ -4150,7 +4150,7 @@
           <a:p>
             <a:fld id="{F2660061-179A-47E0-86E3-D8374BC4401E}" type="datetimeFigureOut">
               <a:rPr lang="en-US" smtClean="0"/>
-              <a:t>7/30/2021</a:t>
+              <a:t>10/10/2021</a:t>
             </a:fld>
             <a:endParaRPr lang="en-US"/>
           </a:p>
@@ -4304,7 +4304,7 @@
           <a:p>
             <a:fld id="{F2660061-179A-47E0-86E3-D8374BC4401E}" type="datetimeFigureOut">
               <a:rPr lang="en-US" smtClean="0"/>
-              <a:t>7/30/2021</a:t>
+              <a:t>10/10/2021</a:t>
             </a:fld>
             <a:endParaRPr lang="en-US"/>
           </a:p>
@@ -4430,7 +4430,7 @@
           <a:p>
             <a:fld id="{F2660061-179A-47E0-86E3-D8374BC4401E}" type="datetimeFigureOut">
               <a:rPr lang="en-US" smtClean="0"/>
-              <a:t>7/30/2021</a:t>
+              <a:t>10/10/2021</a:t>
             </a:fld>
             <a:endParaRPr lang="en-US"/>
           </a:p>
@@ -4685,7 +4685,7 @@
           <a:p>
             <a:fld id="{F2660061-179A-47E0-86E3-D8374BC4401E}" type="datetimeFigureOut">
               <a:rPr lang="en-US" smtClean="0"/>
-              <a:t>7/30/2021</a:t>
+              <a:t>10/10/2021</a:t>
             </a:fld>
             <a:endParaRPr lang="en-US"/>
           </a:p>
@@ -4999,7 +4999,7 @@
           <a:p>
             <a:fld id="{F2660061-179A-47E0-86E3-D8374BC4401E}" type="datetimeFigureOut">
               <a:rPr lang="en-US" smtClean="0"/>
-              <a:t>7/30/2021</a:t>
+              <a:t>10/10/2021</a:t>
             </a:fld>
             <a:endParaRPr lang="en-US"/>
           </a:p>
@@ -5350,7 +5350,7 @@
           <a:p>
             <a:fld id="{F2660061-179A-47E0-86E3-D8374BC4401E}" type="datetimeFigureOut">
               <a:rPr lang="en-US" smtClean="0"/>
-              <a:t>7/30/2021</a:t>
+              <a:t>10/10/2021</a:t>
             </a:fld>
             <a:endParaRPr lang="en-US"/>
           </a:p>
@@ -7046,41 +7046,6 @@
           </a:p>
         </p:txBody>
       </p:sp>
-      <p:sp>
-        <p:nvSpPr>
-          <p:cNvPr id="13" name="TextBox 12">
-            <a:extLst>
-              <a:ext uri="{FF2B5EF4-FFF2-40B4-BE49-F238E27FC236}">
-                <a16:creationId xmlns:a16="http://schemas.microsoft.com/office/drawing/2014/main" id="{762E4410-7A46-411E-A137-78BD39AA4FF6}"/>
-              </a:ext>
-            </a:extLst>
-          </p:cNvPr>
-          <p:cNvSpPr txBox="1"/>
-          <p:nvPr/>
-        </p:nvSpPr>
-        <p:spPr>
-          <a:xfrm>
-            <a:off x="3131840" y="3821787"/>
-            <a:ext cx="4392488" cy="2646878"/>
-          </a:xfrm>
-          <a:prstGeom prst="rect">
-            <a:avLst/>
-          </a:prstGeom>
-          <a:noFill/>
-        </p:spPr>
-        <p:txBody>
-          <a:bodyPr wrap="square" rtlCol="0">
-            <a:spAutoFit/>
-          </a:bodyPr>
-          <a:lstStyle/>
-          <a:p>
-            <a:r>
-              <a:rPr lang="en-IN" sz="16600" b="1" dirty="0"/>
-              <a:t>L1</a:t>
-            </a:r>
-          </a:p>
-        </p:txBody>
-      </p:sp>
     </p:spTree>
     <p:extLst>
       <p:ext uri="{BB962C8B-B14F-4D97-AF65-F5344CB8AC3E}">
@@ -7433,19 +7398,84 @@
             </a:r>
             <a:r>
               <a:rPr lang="en-IN" dirty="0"/>
-              <a:t> name, age, hobbies.</a:t>
-            </a:r>
-          </a:p>
-          <a:p>
+              <a:t> name, </a:t>
+            </a:r>
+            <a:r>
+              <a:rPr lang="en-IN" dirty="0" err="1"/>
+              <a:t>age,marks</a:t>
+            </a:r>
             <a:r>
               <a:rPr lang="en-IN" dirty="0"/>
-              <a:t>Also print sum of the ages of </a:t>
-            </a:r>
-            <a:r>
-              <a:rPr lang="en-IN"/>
-              <a:t>friends.</a:t>
-            </a:r>
+              <a:t>, hobbies.</a:t>
+            </a:r>
+          </a:p>
+          <a:p>
+            <a:r>
+              <a:rPr lang="en-IN" dirty="0"/>
+              <a:t>Also print sum of the ages of friends.</a:t>
+            </a:r>
+          </a:p>
+        </p:txBody>
+      </p:sp>
+      <p:sp>
+        <p:nvSpPr>
+          <p:cNvPr id="5" name="TextBox 4">
+            <a:extLst>
+              <a:ext uri="{FF2B5EF4-FFF2-40B4-BE49-F238E27FC236}">
+                <a16:creationId xmlns:a16="http://schemas.microsoft.com/office/drawing/2014/main" id="{04DCD216-7E16-489E-AC1E-D7F38B35625A}"/>
+              </a:ext>
+            </a:extLst>
+          </p:cNvPr>
+          <p:cNvSpPr txBox="1"/>
+          <p:nvPr/>
+        </p:nvSpPr>
+        <p:spPr>
+          <a:xfrm>
+            <a:off x="1547664" y="4421031"/>
+            <a:ext cx="4576618" cy="1200329"/>
+          </a:xfrm>
+          <a:prstGeom prst="rect">
+            <a:avLst/>
+          </a:prstGeom>
+          <a:noFill/>
+        </p:spPr>
+        <p:txBody>
+          <a:bodyPr wrap="square">
+            <a:spAutoFit/>
+          </a:bodyPr>
+          <a:lstStyle/>
+          <a:p>
+            <a:r>
+              <a:rPr lang="en-IN" dirty="0" err="1"/>
+              <a:t>lst</a:t>
+            </a:r>
+            <a:r>
+              <a:rPr lang="en-IN" dirty="0"/>
+              <a:t>=["name",21,[98,97,94,[56,47,34]],56]</a:t>
+            </a:r>
+          </a:p>
+          <a:p>
+            <a:r>
+              <a:rPr lang="en-IN" dirty="0"/>
+              <a:t>print(</a:t>
+            </a:r>
+            <a:r>
+              <a:rPr lang="en-IN" dirty="0" err="1"/>
+              <a:t>lst</a:t>
+            </a:r>
+            <a:r>
+              <a:rPr lang="en-IN" dirty="0"/>
+              <a:t>[2][3][1])</a:t>
+            </a:r>
+          </a:p>
+          <a:p>
             <a:endParaRPr lang="en-IN" dirty="0"/>
+          </a:p>
+          <a:p>
+            <a:r>
+              <a:rPr lang="en-IN" dirty="0"/>
+              <a:t>#print out using the negative index only.</a:t>
+            </a:r>
           </a:p>
         </p:txBody>
       </p:sp>
